--- a/src/output/iphone_16_pro_presentation.pptx
+++ b/src/output/iphone_16_pro_presentation.pptx
@@ -3087,25 +3087,9 @@
   <p:cSld>
     <p:bg>
       <p:bgPr>
-        <a:gradFill rotWithShape="1">
-          <a:gsLst>
-            <a:gs pos="0">
-              <a:schemeClr val="accent1">
-                <a:tint val="100000"/>
-                <a:shade val="100000"/>
-                <a:satMod val="130000"/>
-              </a:schemeClr>
-            </a:gs>
-            <a:gs pos="100000">
-              <a:schemeClr val="accent1">
-                <a:tint val="50000"/>
-                <a:shade val="100000"/>
-                <a:satMod val="350000"/>
-              </a:schemeClr>
-            </a:gs>
-          </a:gsLst>
-          <a:lin scaled="0"/>
-        </a:gradFill>
+        <a:solidFill>
+          <a:srgbClr val="000000"/>
+        </a:solidFill>
         <a:effectLst/>
       </p:bgPr>
     </p:bg>
@@ -3118,7 +3102,7 @@
       <p:grpSpPr/>
       <p:pic>
         <p:nvPicPr>
-          <p:cNvPr id="2" name="Picture 1" descr="tmpggy8uo3s.jpg"/>
+          <p:cNvPr id="2" name="Picture 1" descr="tmpr4lm5iu6.jpg"/>
           <p:cNvPicPr>
             <a:picLocks noChangeAspect="1"/>
           </p:cNvPicPr>
@@ -3459,7 +3443,7 @@
       </p:sp>
       <p:pic>
         <p:nvPicPr>
-          <p:cNvPr id="4" name="Picture 3" descr="tmp_xnb756y.jpg"/>
+          <p:cNvPr id="4" name="Picture 3" descr="tmp4kxubdkt.jpg"/>
           <p:cNvPicPr>
             <a:picLocks noChangeAspect="1"/>
           </p:cNvPicPr>
@@ -3601,7 +3585,7 @@
       </p:sp>
       <p:pic>
         <p:nvPicPr>
-          <p:cNvPr id="8" name="Picture 7" descr="tmpbl718dft.jpg"/>
+          <p:cNvPr id="8" name="Picture 7" descr="tmpy9v92ard.jpg"/>
           <p:cNvPicPr>
             <a:picLocks noChangeAspect="1"/>
           </p:cNvPicPr>
@@ -3743,7 +3727,7 @@
       </p:sp>
       <p:pic>
         <p:nvPicPr>
-          <p:cNvPr id="12" name="Picture 11" descr="tmpeqqjhkyy.jpg"/>
+          <p:cNvPr id="12" name="Picture 11" descr="tmptx2pd3zo.jpg"/>
           <p:cNvPicPr>
             <a:picLocks noChangeAspect="1"/>
           </p:cNvPicPr>
@@ -3885,7 +3869,7 @@
       </p:sp>
       <p:pic>
         <p:nvPicPr>
-          <p:cNvPr id="16" name="Picture 15" descr="tmp7nbbpqhp.jpg"/>
+          <p:cNvPr id="16" name="Picture 15" descr="tmptbhc4cao.jpg"/>
           <p:cNvPicPr>
             <a:picLocks noChangeAspect="1"/>
           </p:cNvPicPr>
@@ -3995,25 +3979,9 @@
   <p:cSld>
     <p:bg>
       <p:bgPr>
-        <a:gradFill rotWithShape="1">
-          <a:gsLst>
-            <a:gs pos="0">
-              <a:schemeClr val="accent1">
-                <a:tint val="100000"/>
-                <a:shade val="100000"/>
-                <a:satMod val="130000"/>
-              </a:schemeClr>
-            </a:gs>
-            <a:gs pos="100000">
-              <a:schemeClr val="accent1">
-                <a:tint val="50000"/>
-                <a:shade val="100000"/>
-                <a:satMod val="350000"/>
-              </a:schemeClr>
-            </a:gs>
-          </a:gsLst>
-          <a:lin scaled="0"/>
-        </a:gradFill>
+        <a:solidFill>
+          <a:srgbClr val="FFFFFF"/>
+        </a:solidFill>
         <a:effectLst/>
       </p:bgPr>
     </p:bg>
@@ -4064,7 +4032,7 @@
       </p:sp>
       <p:pic>
         <p:nvPicPr>
-          <p:cNvPr id="3" name="Picture 2" descr="tmps1ornfu2.jpg"/>
+          <p:cNvPr id="3" name="Picture 2" descr="tmpztluhkxq.jpg"/>
           <p:cNvPicPr>
             <a:picLocks noChangeAspect="1"/>
           </p:cNvPicPr>
@@ -4420,7 +4388,7 @@
       </p:sp>
       <p:pic>
         <p:nvPicPr>
-          <p:cNvPr id="4" name="Picture 3" descr="tmpizi6j51j.jpg"/>
+          <p:cNvPr id="4" name="Picture 3" descr="tmpzyst_dbp.jpg"/>
           <p:cNvPicPr>
             <a:picLocks noChangeAspect="1"/>
           </p:cNvPicPr>
@@ -4562,7 +4530,7 @@
       </p:sp>
       <p:pic>
         <p:nvPicPr>
-          <p:cNvPr id="8" name="Picture 7" descr="tmpak641ky4.jpg"/>
+          <p:cNvPr id="8" name="Picture 7" descr="tmp5ljg9rdj.jpg"/>
           <p:cNvPicPr>
             <a:picLocks noChangeAspect="1"/>
           </p:cNvPicPr>
@@ -4704,7 +4672,7 @@
       </p:sp>
       <p:pic>
         <p:nvPicPr>
-          <p:cNvPr id="12" name="Picture 11" descr="tmpb_d_waii.jpg"/>
+          <p:cNvPr id="12" name="Picture 11" descr="tmp8zlx4w3l.jpg"/>
           <p:cNvPicPr>
             <a:picLocks noChangeAspect="1"/>
           </p:cNvPicPr>
@@ -4814,25 +4782,9 @@
   <p:cSld>
     <p:bg>
       <p:bgPr>
-        <a:gradFill rotWithShape="1">
-          <a:gsLst>
-            <a:gs pos="0">
-              <a:schemeClr val="accent1">
-                <a:tint val="100000"/>
-                <a:shade val="100000"/>
-                <a:satMod val="130000"/>
-              </a:schemeClr>
-            </a:gs>
-            <a:gs pos="100000">
-              <a:schemeClr val="accent1">
-                <a:tint val="50000"/>
-                <a:shade val="100000"/>
-                <a:satMod val="350000"/>
-              </a:schemeClr>
-            </a:gs>
-          </a:gsLst>
-          <a:lin scaled="0"/>
-        </a:gradFill>
+        <a:solidFill>
+          <a:srgbClr val="000000"/>
+        </a:solidFill>
         <a:effectLst/>
       </p:bgPr>
     </p:bg>
@@ -4883,7 +4835,7 @@
       </p:sp>
       <p:pic>
         <p:nvPicPr>
-          <p:cNvPr id="3" name="Picture 2" descr="tmpyre42wcx.jpg"/>
+          <p:cNvPr id="3" name="Picture 2" descr="tmp_t9g72rn.jpg"/>
           <p:cNvPicPr>
             <a:picLocks noChangeAspect="1"/>
           </p:cNvPicPr>
